--- a/Info.pptx
+++ b/Info.pptx
@@ -6,6 +6,8 @@
   </p:sldMasterIdLst>
   <p:sldIdLst>
     <p:sldId id="256" r:id="rId2"/>
+    <p:sldId id="257" r:id="rId3"/>
+    <p:sldId id="258" r:id="rId4"/>
   </p:sldIdLst>
   <p:sldSz cx="12192000" cy="6858000"/>
   <p:notesSz cx="6858000" cy="9144000"/>
@@ -104,6 +106,11 @@
       </a:defRPr>
     </a:lvl9pPr>
   </p:defaultTextStyle>
+  <p:extLst>
+    <p:ext uri="{EFAFB233-063F-42B5-8137-9DF3F51BA10A}">
+      <p15:sldGuideLst xmlns:p15="http://schemas.microsoft.com/office/powerpoint/2012/main"/>
+    </p:ext>
+  </p:extLst>
 </p:presentation>
 </file>
 
@@ -256,7 +263,7 @@
           <a:p>
             <a:fld id="{DBDC1FC9-CE03-B848-B530-C15C88BA17F0}" type="datetimeFigureOut">
               <a:rPr lang="en-CO" smtClean="0"/>
-              <a:t>16/03/25</a:t>
+              <a:t>3/04/25</a:t>
             </a:fld>
             <a:endParaRPr lang="en-CO"/>
           </a:p>
@@ -456,7 +463,7 @@
           <a:p>
             <a:fld id="{DBDC1FC9-CE03-B848-B530-C15C88BA17F0}" type="datetimeFigureOut">
               <a:rPr lang="en-CO" smtClean="0"/>
-              <a:t>16/03/25</a:t>
+              <a:t>3/04/25</a:t>
             </a:fld>
             <a:endParaRPr lang="en-CO"/>
           </a:p>
@@ -666,7 +673,7 @@
           <a:p>
             <a:fld id="{DBDC1FC9-CE03-B848-B530-C15C88BA17F0}" type="datetimeFigureOut">
               <a:rPr lang="en-CO" smtClean="0"/>
-              <a:t>16/03/25</a:t>
+              <a:t>3/04/25</a:t>
             </a:fld>
             <a:endParaRPr lang="en-CO"/>
           </a:p>
@@ -866,7 +873,7 @@
           <a:p>
             <a:fld id="{DBDC1FC9-CE03-B848-B530-C15C88BA17F0}" type="datetimeFigureOut">
               <a:rPr lang="en-CO" smtClean="0"/>
-              <a:t>16/03/25</a:t>
+              <a:t>3/04/25</a:t>
             </a:fld>
             <a:endParaRPr lang="en-CO"/>
           </a:p>
@@ -1142,7 +1149,7 @@
           <a:p>
             <a:fld id="{DBDC1FC9-CE03-B848-B530-C15C88BA17F0}" type="datetimeFigureOut">
               <a:rPr lang="en-CO" smtClean="0"/>
-              <a:t>16/03/25</a:t>
+              <a:t>3/04/25</a:t>
             </a:fld>
             <a:endParaRPr lang="en-CO"/>
           </a:p>
@@ -1410,7 +1417,7 @@
           <a:p>
             <a:fld id="{DBDC1FC9-CE03-B848-B530-C15C88BA17F0}" type="datetimeFigureOut">
               <a:rPr lang="en-CO" smtClean="0"/>
-              <a:t>16/03/25</a:t>
+              <a:t>3/04/25</a:t>
             </a:fld>
             <a:endParaRPr lang="en-CO"/>
           </a:p>
@@ -1825,7 +1832,7 @@
           <a:p>
             <a:fld id="{DBDC1FC9-CE03-B848-B530-C15C88BA17F0}" type="datetimeFigureOut">
               <a:rPr lang="en-CO" smtClean="0"/>
-              <a:t>16/03/25</a:t>
+              <a:t>3/04/25</a:t>
             </a:fld>
             <a:endParaRPr lang="en-CO"/>
           </a:p>
@@ -1967,7 +1974,7 @@
           <a:p>
             <a:fld id="{DBDC1FC9-CE03-B848-B530-C15C88BA17F0}" type="datetimeFigureOut">
               <a:rPr lang="en-CO" smtClean="0"/>
-              <a:t>16/03/25</a:t>
+              <a:t>3/04/25</a:t>
             </a:fld>
             <a:endParaRPr lang="en-CO"/>
           </a:p>
@@ -2080,7 +2087,7 @@
           <a:p>
             <a:fld id="{DBDC1FC9-CE03-B848-B530-C15C88BA17F0}" type="datetimeFigureOut">
               <a:rPr lang="en-CO" smtClean="0"/>
-              <a:t>16/03/25</a:t>
+              <a:t>3/04/25</a:t>
             </a:fld>
             <a:endParaRPr lang="en-CO"/>
           </a:p>
@@ -2393,7 +2400,7 @@
           <a:p>
             <a:fld id="{DBDC1FC9-CE03-B848-B530-C15C88BA17F0}" type="datetimeFigureOut">
               <a:rPr lang="en-CO" smtClean="0"/>
-              <a:t>16/03/25</a:t>
+              <a:t>3/04/25</a:t>
             </a:fld>
             <a:endParaRPr lang="en-CO"/>
           </a:p>
@@ -2682,7 +2689,7 @@
           <a:p>
             <a:fld id="{DBDC1FC9-CE03-B848-B530-C15C88BA17F0}" type="datetimeFigureOut">
               <a:rPr lang="en-CO" smtClean="0"/>
-              <a:t>16/03/25</a:t>
+              <a:t>3/04/25</a:t>
             </a:fld>
             <a:endParaRPr lang="en-CO"/>
           </a:p>
@@ -2759,9 +2766,14 @@
 <p:sldMaster xmlns:a="http://schemas.openxmlformats.org/drawingml/2006/main" xmlns:r="http://schemas.openxmlformats.org/officeDocument/2006/relationships" xmlns:p="http://schemas.openxmlformats.org/presentationml/2006/main">
   <p:cSld>
     <p:bg>
-      <p:bgRef idx="1001">
-        <a:schemeClr val="bg1"/>
-      </p:bgRef>
+      <p:bgPr>
+        <a:solidFill>
+          <a:schemeClr val="bg1">
+            <a:alpha val="0"/>
+          </a:schemeClr>
+        </a:solidFill>
+        <a:effectLst/>
+      </p:bgPr>
     </p:bg>
     <p:spTree>
       <p:nvGrpSpPr>
@@ -2925,7 +2937,7 @@
           <a:p>
             <a:fld id="{DBDC1FC9-CE03-B848-B530-C15C88BA17F0}" type="datetimeFigureOut">
               <a:rPr lang="en-CO" smtClean="0"/>
-              <a:t>16/03/25</a:t>
+              <a:t>3/04/25</a:t>
             </a:fld>
             <a:endParaRPr lang="en-CO"/>
           </a:p>
@@ -4028,6 +4040,1336 @@
 </p:sld>
 </file>
 
+<file path=ppt/slides/slide2.xml><?xml version="1.0" encoding="utf-8"?>
+<p:sld xmlns:a="http://schemas.openxmlformats.org/drawingml/2006/main" xmlns:r="http://schemas.openxmlformats.org/officeDocument/2006/relationships" xmlns:p="http://schemas.openxmlformats.org/presentationml/2006/main">
+  <p:cSld>
+    <p:spTree>
+      <p:nvGrpSpPr>
+        <p:cNvPr id="1" name="">
+          <a:extLst>
+            <a:ext uri="{FF2B5EF4-FFF2-40B4-BE49-F238E27FC236}">
+              <a16:creationId xmlns:a16="http://schemas.microsoft.com/office/drawing/2014/main" id="{6C2176D1-E740-FDE7-3B4E-C78224B42B47}"/>
+            </a:ext>
+          </a:extLst>
+        </p:cNvPr>
+        <p:cNvGrpSpPr/>
+        <p:nvPr/>
+      </p:nvGrpSpPr>
+      <p:grpSpPr>
+        <a:xfrm>
+          <a:off x="0" y="0"/>
+          <a:ext cx="0" cy="0"/>
+          <a:chOff x="0" y="0"/>
+          <a:chExt cx="0" cy="0"/>
+        </a:xfrm>
+      </p:grpSpPr>
+      <p:pic>
+        <p:nvPicPr>
+          <p:cNvPr id="3" name="Picture 2" descr="A blue rectangular object with black text&#10;&#10;AI-generated content may be incorrect.">
+            <a:extLst>
+              <a:ext uri="{FF2B5EF4-FFF2-40B4-BE49-F238E27FC236}">
+                <a16:creationId xmlns:a16="http://schemas.microsoft.com/office/drawing/2014/main" id="{8B1D9A3B-2710-A344-BA3F-3A144FD7C32A}"/>
+              </a:ext>
+            </a:extLst>
+          </p:cNvPr>
+          <p:cNvPicPr>
+            <a:picLocks noChangeAspect="1"/>
+          </p:cNvPicPr>
+          <p:nvPr/>
+        </p:nvPicPr>
+        <p:blipFill>
+          <a:blip r:embed="rId2"/>
+          <a:stretch>
+            <a:fillRect/>
+          </a:stretch>
+        </p:blipFill>
+        <p:spPr>
+          <a:xfrm>
+            <a:off x="3669030" y="2067963"/>
+            <a:ext cx="4968347" cy="3517590"/>
+          </a:xfrm>
+          <a:prstGeom prst="rect">
+            <a:avLst/>
+          </a:prstGeom>
+        </p:spPr>
+      </p:pic>
+      <p:cxnSp>
+        <p:nvCxnSpPr>
+          <p:cNvPr id="7" name="Straight Connector 6">
+            <a:extLst>
+              <a:ext uri="{FF2B5EF4-FFF2-40B4-BE49-F238E27FC236}">
+                <a16:creationId xmlns:a16="http://schemas.microsoft.com/office/drawing/2014/main" id="{51878611-9CB1-D767-C130-7B75083F58DF}"/>
+              </a:ext>
+            </a:extLst>
+          </p:cNvPr>
+          <p:cNvCxnSpPr>
+            <a:cxnSpLocks/>
+          </p:cNvCxnSpPr>
+          <p:nvPr/>
+        </p:nvCxnSpPr>
+        <p:spPr>
+          <a:xfrm flipH="1">
+            <a:off x="2677099" y="2545256"/>
+            <a:ext cx="937126" cy="1"/>
+          </a:xfrm>
+          <a:prstGeom prst="line">
+            <a:avLst/>
+          </a:prstGeom>
+          <a:ln w="38100"/>
+        </p:spPr>
+        <p:style>
+          <a:lnRef idx="2">
+            <a:schemeClr val="dk1"/>
+          </a:lnRef>
+          <a:fillRef idx="0">
+            <a:schemeClr val="dk1"/>
+          </a:fillRef>
+          <a:effectRef idx="1">
+            <a:schemeClr val="dk1"/>
+          </a:effectRef>
+          <a:fontRef idx="minor">
+            <a:schemeClr val="tx1"/>
+          </a:fontRef>
+        </p:style>
+      </p:cxnSp>
+      <p:cxnSp>
+        <p:nvCxnSpPr>
+          <p:cNvPr id="10" name="Straight Connector 9">
+            <a:extLst>
+              <a:ext uri="{FF2B5EF4-FFF2-40B4-BE49-F238E27FC236}">
+                <a16:creationId xmlns:a16="http://schemas.microsoft.com/office/drawing/2014/main" id="{55A2CCBF-E28F-653C-2914-EDD63CCE4780}"/>
+              </a:ext>
+            </a:extLst>
+          </p:cNvPr>
+          <p:cNvCxnSpPr>
+            <a:cxnSpLocks/>
+          </p:cNvCxnSpPr>
+          <p:nvPr/>
+        </p:nvCxnSpPr>
+        <p:spPr>
+          <a:xfrm flipV="1">
+            <a:off x="6542023" y="1745190"/>
+            <a:ext cx="0" cy="317959"/>
+          </a:xfrm>
+          <a:prstGeom prst="line">
+            <a:avLst/>
+          </a:prstGeom>
+          <a:ln w="38100">
+            <a:solidFill>
+              <a:schemeClr val="tx1"/>
+            </a:solidFill>
+          </a:ln>
+        </p:spPr>
+        <p:style>
+          <a:lnRef idx="2">
+            <a:schemeClr val="dk1"/>
+          </a:lnRef>
+          <a:fillRef idx="0">
+            <a:schemeClr val="dk1"/>
+          </a:fillRef>
+          <a:effectRef idx="1">
+            <a:schemeClr val="dk1"/>
+          </a:effectRef>
+          <a:fontRef idx="minor">
+            <a:schemeClr val="tx1"/>
+          </a:fontRef>
+        </p:style>
+      </p:cxnSp>
+      <p:cxnSp>
+        <p:nvCxnSpPr>
+          <p:cNvPr id="11" name="Straight Connector 10">
+            <a:extLst>
+              <a:ext uri="{FF2B5EF4-FFF2-40B4-BE49-F238E27FC236}">
+                <a16:creationId xmlns:a16="http://schemas.microsoft.com/office/drawing/2014/main" id="{D0379976-BE1B-22E4-D50A-ED7F773BF7FC}"/>
+              </a:ext>
+            </a:extLst>
+          </p:cNvPr>
+          <p:cNvCxnSpPr>
+            <a:cxnSpLocks/>
+          </p:cNvCxnSpPr>
+          <p:nvPr/>
+        </p:nvCxnSpPr>
+        <p:spPr>
+          <a:xfrm flipV="1">
+            <a:off x="7287465" y="1439713"/>
+            <a:ext cx="0" cy="635918"/>
+          </a:xfrm>
+          <a:prstGeom prst="line">
+            <a:avLst/>
+          </a:prstGeom>
+          <a:ln w="38100">
+            <a:solidFill>
+              <a:schemeClr val="tx1"/>
+            </a:solidFill>
+          </a:ln>
+        </p:spPr>
+        <p:style>
+          <a:lnRef idx="2">
+            <a:schemeClr val="dk1"/>
+          </a:lnRef>
+          <a:fillRef idx="0">
+            <a:schemeClr val="dk1"/>
+          </a:fillRef>
+          <a:effectRef idx="1">
+            <a:schemeClr val="dk1"/>
+          </a:effectRef>
+          <a:fontRef idx="minor">
+            <a:schemeClr val="tx1"/>
+          </a:fontRef>
+        </p:style>
+      </p:cxnSp>
+      <p:cxnSp>
+        <p:nvCxnSpPr>
+          <p:cNvPr id="13" name="Straight Connector 12">
+            <a:extLst>
+              <a:ext uri="{FF2B5EF4-FFF2-40B4-BE49-F238E27FC236}">
+                <a16:creationId xmlns:a16="http://schemas.microsoft.com/office/drawing/2014/main" id="{FB3F52A2-BB98-E9A2-34B6-EB1439FBA4A7}"/>
+              </a:ext>
+            </a:extLst>
+          </p:cNvPr>
+          <p:cNvCxnSpPr>
+            <a:cxnSpLocks/>
+          </p:cNvCxnSpPr>
+          <p:nvPr/>
+        </p:nvCxnSpPr>
+        <p:spPr>
+          <a:xfrm flipH="1">
+            <a:off x="8637377" y="2488845"/>
+            <a:ext cx="934444" cy="0"/>
+          </a:xfrm>
+          <a:prstGeom prst="line">
+            <a:avLst/>
+          </a:prstGeom>
+          <a:ln w="38100"/>
+        </p:spPr>
+        <p:style>
+          <a:lnRef idx="2">
+            <a:schemeClr val="dk1"/>
+          </a:lnRef>
+          <a:fillRef idx="0">
+            <a:schemeClr val="dk1"/>
+          </a:fillRef>
+          <a:effectRef idx="1">
+            <a:schemeClr val="dk1"/>
+          </a:effectRef>
+          <a:fontRef idx="minor">
+            <a:schemeClr val="tx1"/>
+          </a:fontRef>
+        </p:style>
+      </p:cxnSp>
+      <p:cxnSp>
+        <p:nvCxnSpPr>
+          <p:cNvPr id="14" name="Straight Connector 13">
+            <a:extLst>
+              <a:ext uri="{FF2B5EF4-FFF2-40B4-BE49-F238E27FC236}">
+                <a16:creationId xmlns:a16="http://schemas.microsoft.com/office/drawing/2014/main" id="{6F338071-962A-088B-27F7-87EFE5682341}"/>
+              </a:ext>
+            </a:extLst>
+          </p:cNvPr>
+          <p:cNvCxnSpPr>
+            <a:cxnSpLocks/>
+          </p:cNvCxnSpPr>
+          <p:nvPr/>
+        </p:nvCxnSpPr>
+        <p:spPr>
+          <a:xfrm flipH="1">
+            <a:off x="8637377" y="3773366"/>
+            <a:ext cx="1035586" cy="0"/>
+          </a:xfrm>
+          <a:prstGeom prst="line">
+            <a:avLst/>
+          </a:prstGeom>
+          <a:ln w="38100"/>
+        </p:spPr>
+        <p:style>
+          <a:lnRef idx="2">
+            <a:schemeClr val="dk1"/>
+          </a:lnRef>
+          <a:fillRef idx="0">
+            <a:schemeClr val="dk1"/>
+          </a:fillRef>
+          <a:effectRef idx="1">
+            <a:schemeClr val="dk1"/>
+          </a:effectRef>
+          <a:fontRef idx="minor">
+            <a:schemeClr val="tx1"/>
+          </a:fontRef>
+        </p:style>
+      </p:cxnSp>
+      <p:cxnSp>
+        <p:nvCxnSpPr>
+          <p:cNvPr id="15" name="Straight Connector 14">
+            <a:extLst>
+              <a:ext uri="{FF2B5EF4-FFF2-40B4-BE49-F238E27FC236}">
+                <a16:creationId xmlns:a16="http://schemas.microsoft.com/office/drawing/2014/main" id="{CCE11201-E2C0-63D2-13BE-D350E31A7CDB}"/>
+              </a:ext>
+            </a:extLst>
+          </p:cNvPr>
+          <p:cNvCxnSpPr>
+            <a:cxnSpLocks/>
+          </p:cNvCxnSpPr>
+          <p:nvPr/>
+        </p:nvCxnSpPr>
+        <p:spPr>
+          <a:xfrm flipH="1">
+            <a:off x="2699132" y="5038749"/>
+            <a:ext cx="969898" cy="0"/>
+          </a:xfrm>
+          <a:prstGeom prst="line">
+            <a:avLst/>
+          </a:prstGeom>
+          <a:ln w="38100"/>
+        </p:spPr>
+        <p:style>
+          <a:lnRef idx="2">
+            <a:schemeClr val="dk1"/>
+          </a:lnRef>
+          <a:fillRef idx="0">
+            <a:schemeClr val="dk1"/>
+          </a:fillRef>
+          <a:effectRef idx="1">
+            <a:schemeClr val="dk1"/>
+          </a:effectRef>
+          <a:fontRef idx="minor">
+            <a:schemeClr val="tx1"/>
+          </a:fontRef>
+        </p:style>
+      </p:cxnSp>
+      <p:cxnSp>
+        <p:nvCxnSpPr>
+          <p:cNvPr id="16" name="Straight Connector 15">
+            <a:extLst>
+              <a:ext uri="{FF2B5EF4-FFF2-40B4-BE49-F238E27FC236}">
+                <a16:creationId xmlns:a16="http://schemas.microsoft.com/office/drawing/2014/main" id="{D351C172-55B1-AAA8-61F6-45EA75728A6D}"/>
+              </a:ext>
+            </a:extLst>
+          </p:cNvPr>
+          <p:cNvCxnSpPr>
+            <a:cxnSpLocks/>
+          </p:cNvCxnSpPr>
+          <p:nvPr/>
+        </p:nvCxnSpPr>
+        <p:spPr>
+          <a:xfrm flipH="1">
+            <a:off x="8637377" y="5012236"/>
+            <a:ext cx="1035586" cy="0"/>
+          </a:xfrm>
+          <a:prstGeom prst="line">
+            <a:avLst/>
+          </a:prstGeom>
+          <a:ln w="38100"/>
+        </p:spPr>
+        <p:style>
+          <a:lnRef idx="2">
+            <a:schemeClr val="dk1"/>
+          </a:lnRef>
+          <a:fillRef idx="0">
+            <a:schemeClr val="dk1"/>
+          </a:fillRef>
+          <a:effectRef idx="1">
+            <a:schemeClr val="dk1"/>
+          </a:effectRef>
+          <a:fontRef idx="minor">
+            <a:schemeClr val="tx1"/>
+          </a:fontRef>
+        </p:style>
+      </p:cxnSp>
+      <p:sp>
+        <p:nvSpPr>
+          <p:cNvPr id="17" name="TextBox 16">
+            <a:extLst>
+              <a:ext uri="{FF2B5EF4-FFF2-40B4-BE49-F238E27FC236}">
+                <a16:creationId xmlns:a16="http://schemas.microsoft.com/office/drawing/2014/main" id="{D6A7F83A-044C-52C2-3971-3EE231C34785}"/>
+              </a:ext>
+            </a:extLst>
+          </p:cNvPr>
+          <p:cNvSpPr txBox="1"/>
+          <p:nvPr/>
+        </p:nvSpPr>
+        <p:spPr>
+          <a:xfrm>
+            <a:off x="583894" y="2252869"/>
+            <a:ext cx="2093204" cy="584775"/>
+          </a:xfrm>
+          <a:prstGeom prst="rect">
+            <a:avLst/>
+          </a:prstGeom>
+          <a:noFill/>
+        </p:spPr>
+        <p:txBody>
+          <a:bodyPr wrap="square" rtlCol="0">
+            <a:spAutoFit/>
+          </a:bodyPr>
+          <a:lstStyle/>
+          <a:p>
+            <a:pPr algn="ctr"/>
+            <a:r>
+              <a:rPr lang="en-CO" sz="1600" dirty="0">
+                <a:latin typeface="SF COMPACT MEDIUM" panose="020B0A04030202060204" pitchFamily="34" charset="77"/>
+                <a:cs typeface="Poppins" pitchFamily="2" charset="77"/>
+              </a:rPr>
+              <a:t>Sigla </a:t>
+            </a:r>
+            <a:r>
+              <a:rPr lang="en-CO" sz="1600" dirty="0">
+                <a:latin typeface="SF COMPACT" panose="020B0A04030202060204" pitchFamily="34" charset="77"/>
+                <a:cs typeface="Poppins" pitchFamily="2" charset="77"/>
+              </a:rPr>
+              <a:t>(Click para </a:t>
+            </a:r>
+          </a:p>
+          <a:p>
+            <a:pPr algn="ctr"/>
+            <a:r>
+              <a:rPr lang="en-CO" sz="1600" dirty="0">
+                <a:latin typeface="SF COMPACT" panose="020B0A04030202060204" pitchFamily="34" charset="77"/>
+                <a:cs typeface="Poppins" pitchFamily="2" charset="77"/>
+              </a:rPr>
+              <a:t>buscacursos.uc.cl)</a:t>
+            </a:r>
+          </a:p>
+        </p:txBody>
+      </p:sp>
+      <p:sp>
+        <p:nvSpPr>
+          <p:cNvPr id="18" name="TextBox 17">
+            <a:extLst>
+              <a:ext uri="{FF2B5EF4-FFF2-40B4-BE49-F238E27FC236}">
+                <a16:creationId xmlns:a16="http://schemas.microsoft.com/office/drawing/2014/main" id="{BE577AD9-9B9D-8A47-E35D-C99063E969A1}"/>
+              </a:ext>
+            </a:extLst>
+          </p:cNvPr>
+          <p:cNvSpPr txBox="1"/>
+          <p:nvPr/>
+        </p:nvSpPr>
+        <p:spPr>
+          <a:xfrm>
+            <a:off x="583894" y="4869472"/>
+            <a:ext cx="2093204" cy="338554"/>
+          </a:xfrm>
+          <a:prstGeom prst="rect">
+            <a:avLst/>
+          </a:prstGeom>
+          <a:noFill/>
+        </p:spPr>
+        <p:txBody>
+          <a:bodyPr wrap="square" rtlCol="0">
+            <a:spAutoFit/>
+          </a:bodyPr>
+          <a:lstStyle/>
+          <a:p>
+            <a:pPr algn="ctr"/>
+            <a:r>
+              <a:rPr lang="en-CO" sz="1600" dirty="0">
+                <a:latin typeface="SF COMPACT MEDIUM" panose="020B0A04030202060204" pitchFamily="34" charset="77"/>
+                <a:cs typeface="Poppins" pitchFamily="2" charset="77"/>
+              </a:rPr>
+              <a:t>ID </a:t>
+            </a:r>
+            <a:r>
+              <a:rPr lang="en-CO" sz="1600" dirty="0">
+                <a:latin typeface="SF COMPACT" panose="020B0A04030202060204" pitchFamily="34" charset="77"/>
+                <a:cs typeface="Poppins" pitchFamily="2" charset="77"/>
+              </a:rPr>
+              <a:t>(Requisitos)</a:t>
+            </a:r>
+          </a:p>
+        </p:txBody>
+      </p:sp>
+      <p:sp>
+        <p:nvSpPr>
+          <p:cNvPr id="21" name="TextBox 20">
+            <a:extLst>
+              <a:ext uri="{FF2B5EF4-FFF2-40B4-BE49-F238E27FC236}">
+                <a16:creationId xmlns:a16="http://schemas.microsoft.com/office/drawing/2014/main" id="{B1C5E892-53E0-90A5-5FCE-293DD7784DF8}"/>
+              </a:ext>
+            </a:extLst>
+          </p:cNvPr>
+          <p:cNvSpPr txBox="1"/>
+          <p:nvPr/>
+        </p:nvSpPr>
+        <p:spPr>
+          <a:xfrm>
+            <a:off x="9569986" y="2319567"/>
+            <a:ext cx="2093204" cy="338554"/>
+          </a:xfrm>
+          <a:prstGeom prst="rect">
+            <a:avLst/>
+          </a:prstGeom>
+          <a:noFill/>
+        </p:spPr>
+        <p:txBody>
+          <a:bodyPr wrap="square" rtlCol="0">
+            <a:spAutoFit/>
+          </a:bodyPr>
+          <a:lstStyle/>
+          <a:p>
+            <a:r>
+              <a:rPr lang="en-CO" sz="1600" dirty="0">
+                <a:latin typeface="SF COMPACT MEDIUM" panose="020B0A04030202060204" pitchFamily="34" charset="77"/>
+                <a:cs typeface="Poppins" pitchFamily="2" charset="77"/>
+              </a:rPr>
+              <a:t>Créditos del Curso</a:t>
+            </a:r>
+            <a:endParaRPr lang="en-CO" sz="1600" dirty="0">
+              <a:latin typeface="SF COMPACT" panose="020B0A04030202060204" pitchFamily="34" charset="77"/>
+              <a:cs typeface="Poppins" pitchFamily="2" charset="77"/>
+            </a:endParaRPr>
+          </a:p>
+        </p:txBody>
+      </p:sp>
+      <p:sp>
+        <p:nvSpPr>
+          <p:cNvPr id="22" name="TextBox 21">
+            <a:extLst>
+              <a:ext uri="{FF2B5EF4-FFF2-40B4-BE49-F238E27FC236}">
+                <a16:creationId xmlns:a16="http://schemas.microsoft.com/office/drawing/2014/main" id="{3030A8BA-E6DC-AB8B-5266-3220CF40109F}"/>
+              </a:ext>
+            </a:extLst>
+          </p:cNvPr>
+          <p:cNvSpPr txBox="1"/>
+          <p:nvPr/>
+        </p:nvSpPr>
+        <p:spPr>
+          <a:xfrm>
+            <a:off x="9672963" y="3604089"/>
+            <a:ext cx="2093204" cy="338554"/>
+          </a:xfrm>
+          <a:prstGeom prst="rect">
+            <a:avLst/>
+          </a:prstGeom>
+          <a:noFill/>
+        </p:spPr>
+        <p:txBody>
+          <a:bodyPr wrap="square" rtlCol="0">
+            <a:spAutoFit/>
+          </a:bodyPr>
+          <a:lstStyle/>
+          <a:p>
+            <a:r>
+              <a:rPr lang="en-CO" sz="1600" dirty="0">
+                <a:latin typeface="SF COMPACT MEDIUM" panose="020B0A04030202060204" pitchFamily="34" charset="77"/>
+                <a:cs typeface="Poppins" pitchFamily="2" charset="77"/>
+              </a:rPr>
+              <a:t>Nombre del Curso</a:t>
+            </a:r>
+            <a:endParaRPr lang="en-CO" sz="1600" dirty="0">
+              <a:latin typeface="SF COMPACT" panose="020B0A04030202060204" pitchFamily="34" charset="77"/>
+              <a:cs typeface="Poppins" pitchFamily="2" charset="77"/>
+            </a:endParaRPr>
+          </a:p>
+        </p:txBody>
+      </p:sp>
+      <p:sp>
+        <p:nvSpPr>
+          <p:cNvPr id="23" name="TextBox 22">
+            <a:extLst>
+              <a:ext uri="{FF2B5EF4-FFF2-40B4-BE49-F238E27FC236}">
+                <a16:creationId xmlns:a16="http://schemas.microsoft.com/office/drawing/2014/main" id="{38EDF7AC-B4BC-5C12-A22E-0D5EB7E61094}"/>
+              </a:ext>
+            </a:extLst>
+          </p:cNvPr>
+          <p:cNvSpPr txBox="1"/>
+          <p:nvPr/>
+        </p:nvSpPr>
+        <p:spPr>
+          <a:xfrm>
+            <a:off x="9672963" y="4842959"/>
+            <a:ext cx="2093204" cy="338554"/>
+          </a:xfrm>
+          <a:prstGeom prst="rect">
+            <a:avLst/>
+          </a:prstGeom>
+          <a:noFill/>
+        </p:spPr>
+        <p:txBody>
+          <a:bodyPr wrap="square" rtlCol="0">
+            <a:spAutoFit/>
+          </a:bodyPr>
+          <a:lstStyle/>
+          <a:p>
+            <a:r>
+              <a:rPr lang="en-CO" sz="1600" dirty="0">
+                <a:latin typeface="SF COMPACT MEDIUM" panose="020B0A04030202060204" pitchFamily="34" charset="77"/>
+                <a:cs typeface="Poppins" pitchFamily="2" charset="77"/>
+              </a:rPr>
+              <a:t>Créditos del Curso</a:t>
+            </a:r>
+            <a:endParaRPr lang="en-CO" sz="1600" dirty="0">
+              <a:latin typeface="SF COMPACT" panose="020B0A04030202060204" pitchFamily="34" charset="77"/>
+              <a:cs typeface="Poppins" pitchFamily="2" charset="77"/>
+            </a:endParaRPr>
+          </a:p>
+        </p:txBody>
+      </p:sp>
+      <p:sp>
+        <p:nvSpPr>
+          <p:cNvPr id="24" name="TextBox 23">
+            <a:extLst>
+              <a:ext uri="{FF2B5EF4-FFF2-40B4-BE49-F238E27FC236}">
+                <a16:creationId xmlns:a16="http://schemas.microsoft.com/office/drawing/2014/main" id="{780232C2-AD08-3A68-AF34-39FB3E1A14D6}"/>
+              </a:ext>
+            </a:extLst>
+          </p:cNvPr>
+          <p:cNvSpPr txBox="1"/>
+          <p:nvPr/>
+        </p:nvSpPr>
+        <p:spPr>
+          <a:xfrm>
+            <a:off x="6266762" y="601047"/>
+            <a:ext cx="2093204" cy="830997"/>
+          </a:xfrm>
+          <a:prstGeom prst="rect">
+            <a:avLst/>
+          </a:prstGeom>
+          <a:noFill/>
+        </p:spPr>
+        <p:txBody>
+          <a:bodyPr wrap="square" rtlCol="0">
+            <a:spAutoFit/>
+          </a:bodyPr>
+          <a:lstStyle/>
+          <a:p>
+            <a:pPr algn="ctr"/>
+            <a:r>
+              <a:rPr lang="en-CO" sz="1600" dirty="0">
+                <a:latin typeface="SF COMPACT MEDIUM" panose="020B0A04030202060204" pitchFamily="34" charset="77"/>
+                <a:cs typeface="Poppins" pitchFamily="2" charset="77"/>
+              </a:rPr>
+              <a:t>¿Curso Anual? </a:t>
+            </a:r>
+            <a:r>
+              <a:rPr lang="en-CO" sz="1600" dirty="0">
+                <a:latin typeface="SF COMPACT" panose="020B0A04030202060204" pitchFamily="34" charset="77"/>
+                <a:cs typeface="Poppins" pitchFamily="2" charset="77"/>
+              </a:rPr>
+              <a:t>(Semestre 1: S1, Semestre 2: S2)</a:t>
+            </a:r>
+          </a:p>
+        </p:txBody>
+      </p:sp>
+      <p:cxnSp>
+        <p:nvCxnSpPr>
+          <p:cNvPr id="38" name="Elbow Connector 37">
+            <a:extLst>
+              <a:ext uri="{FF2B5EF4-FFF2-40B4-BE49-F238E27FC236}">
+                <a16:creationId xmlns:a16="http://schemas.microsoft.com/office/drawing/2014/main" id="{E48B2DD2-B730-C756-4E18-35E3D4B5B55D}"/>
+              </a:ext>
+            </a:extLst>
+          </p:cNvPr>
+          <p:cNvCxnSpPr>
+            <a:cxnSpLocks/>
+          </p:cNvCxnSpPr>
+          <p:nvPr/>
+        </p:nvCxnSpPr>
+        <p:spPr>
+          <a:xfrm rot="10800000">
+            <a:off x="4660827" y="1432045"/>
+            <a:ext cx="1900448" cy="317961"/>
+          </a:xfrm>
+          <a:prstGeom prst="bentConnector3">
+            <a:avLst>
+              <a:gd name="adj1" fmla="val 98940"/>
+            </a:avLst>
+          </a:prstGeom>
+          <a:ln w="38100">
+            <a:solidFill>
+              <a:schemeClr val="tx1"/>
+            </a:solidFill>
+          </a:ln>
+        </p:spPr>
+        <p:style>
+          <a:lnRef idx="2">
+            <a:schemeClr val="accent1"/>
+          </a:lnRef>
+          <a:fillRef idx="0">
+            <a:schemeClr val="accent1"/>
+          </a:fillRef>
+          <a:effectRef idx="1">
+            <a:schemeClr val="accent1"/>
+          </a:effectRef>
+          <a:fontRef idx="minor">
+            <a:schemeClr val="tx1"/>
+          </a:fontRef>
+        </p:style>
+      </p:cxnSp>
+      <p:sp>
+        <p:nvSpPr>
+          <p:cNvPr id="44" name="TextBox 43">
+            <a:extLst>
+              <a:ext uri="{FF2B5EF4-FFF2-40B4-BE49-F238E27FC236}">
+                <a16:creationId xmlns:a16="http://schemas.microsoft.com/office/drawing/2014/main" id="{17DCD376-80C3-1459-839F-0EFA45E662ED}"/>
+              </a:ext>
+            </a:extLst>
+          </p:cNvPr>
+          <p:cNvSpPr txBox="1"/>
+          <p:nvPr/>
+        </p:nvSpPr>
+        <p:spPr>
+          <a:xfrm>
+            <a:off x="3614225" y="768213"/>
+            <a:ext cx="2093204" cy="584775"/>
+          </a:xfrm>
+          <a:prstGeom prst="rect">
+            <a:avLst/>
+          </a:prstGeom>
+          <a:noFill/>
+        </p:spPr>
+        <p:txBody>
+          <a:bodyPr wrap="square" rtlCol="0">
+            <a:spAutoFit/>
+          </a:bodyPr>
+          <a:lstStyle/>
+          <a:p>
+            <a:pPr algn="ctr"/>
+            <a:r>
+              <a:rPr lang="en-CO" sz="1600" dirty="0">
+                <a:latin typeface="SF COMPACT MEDIUM" panose="020B0A04030202060204" pitchFamily="34" charset="77"/>
+                <a:cs typeface="Poppins" pitchFamily="2" charset="77"/>
+              </a:rPr>
+              <a:t>Curso con Laboratorio (L)</a:t>
+            </a:r>
+            <a:endParaRPr lang="en-CO" sz="1600" dirty="0">
+              <a:latin typeface="SF COMPACT" panose="020B0A04030202060204" pitchFamily="34" charset="77"/>
+              <a:cs typeface="Poppins" pitchFamily="2" charset="77"/>
+            </a:endParaRPr>
+          </a:p>
+        </p:txBody>
+      </p:sp>
+    </p:spTree>
+    <p:extLst>
+      <p:ext uri="{BB962C8B-B14F-4D97-AF65-F5344CB8AC3E}">
+        <p14:creationId xmlns:p14="http://schemas.microsoft.com/office/powerpoint/2010/main" val="2791533429"/>
+      </p:ext>
+    </p:extLst>
+  </p:cSld>
+  <p:clrMapOvr>
+    <a:masterClrMapping/>
+  </p:clrMapOvr>
+</p:sld>
+</file>
+
+<file path=ppt/slides/slide3.xml><?xml version="1.0" encoding="utf-8"?>
+<p:sld xmlns:a="http://schemas.openxmlformats.org/drawingml/2006/main" xmlns:r="http://schemas.openxmlformats.org/officeDocument/2006/relationships" xmlns:p="http://schemas.openxmlformats.org/presentationml/2006/main">
+  <p:cSld>
+    <p:spTree>
+      <p:nvGrpSpPr>
+        <p:cNvPr id="1" name="">
+          <a:extLst>
+            <a:ext uri="{FF2B5EF4-FFF2-40B4-BE49-F238E27FC236}">
+              <a16:creationId xmlns:a16="http://schemas.microsoft.com/office/drawing/2014/main" id="{6B267CB7-1CEF-D574-4C4F-C51C80E875FD}"/>
+            </a:ext>
+          </a:extLst>
+        </p:cNvPr>
+        <p:cNvGrpSpPr/>
+        <p:nvPr/>
+      </p:nvGrpSpPr>
+      <p:grpSpPr>
+        <a:xfrm>
+          <a:off x="0" y="0"/>
+          <a:ext cx="0" cy="0"/>
+          <a:chOff x="0" y="0"/>
+          <a:chExt cx="0" cy="0"/>
+        </a:xfrm>
+      </p:grpSpPr>
+      <p:pic>
+        <p:nvPicPr>
+          <p:cNvPr id="3" name="Picture 2" descr="A blue and grey rectangular object with black text&#10;&#10;AI-generated content may be incorrect.">
+            <a:extLst>
+              <a:ext uri="{FF2B5EF4-FFF2-40B4-BE49-F238E27FC236}">
+                <a16:creationId xmlns:a16="http://schemas.microsoft.com/office/drawing/2014/main" id="{267D4836-F8CD-1D51-A2A5-19240E422391}"/>
+              </a:ext>
+            </a:extLst>
+          </p:cNvPr>
+          <p:cNvPicPr>
+            <a:picLocks noChangeAspect="1"/>
+          </p:cNvPicPr>
+          <p:nvPr/>
+        </p:nvPicPr>
+        <p:blipFill>
+          <a:blip r:embed="rId2"/>
+          <a:stretch>
+            <a:fillRect/>
+          </a:stretch>
+        </p:blipFill>
+        <p:spPr>
+          <a:xfrm>
+            <a:off x="3614225" y="1995395"/>
+            <a:ext cx="5028972" cy="4216364"/>
+          </a:xfrm>
+          <a:prstGeom prst="rect">
+            <a:avLst/>
+          </a:prstGeom>
+        </p:spPr>
+      </p:pic>
+      <p:cxnSp>
+        <p:nvCxnSpPr>
+          <p:cNvPr id="7" name="Straight Connector 6">
+            <a:extLst>
+              <a:ext uri="{FF2B5EF4-FFF2-40B4-BE49-F238E27FC236}">
+                <a16:creationId xmlns:a16="http://schemas.microsoft.com/office/drawing/2014/main" id="{6EDE29EA-7E76-4497-CC0A-D58FFEED997A}"/>
+              </a:ext>
+            </a:extLst>
+          </p:cNvPr>
+          <p:cNvCxnSpPr>
+            <a:cxnSpLocks/>
+          </p:cNvCxnSpPr>
+          <p:nvPr/>
+        </p:nvCxnSpPr>
+        <p:spPr>
+          <a:xfrm flipH="1">
+            <a:off x="2622014" y="2490172"/>
+            <a:ext cx="1035586" cy="0"/>
+          </a:xfrm>
+          <a:prstGeom prst="line">
+            <a:avLst/>
+          </a:prstGeom>
+          <a:ln w="38100"/>
+        </p:spPr>
+        <p:style>
+          <a:lnRef idx="2">
+            <a:schemeClr val="dk1"/>
+          </a:lnRef>
+          <a:fillRef idx="0">
+            <a:schemeClr val="dk1"/>
+          </a:fillRef>
+          <a:effectRef idx="1">
+            <a:schemeClr val="dk1"/>
+          </a:effectRef>
+          <a:fontRef idx="minor">
+            <a:schemeClr val="tx1"/>
+          </a:fontRef>
+        </p:style>
+      </p:cxnSp>
+      <p:cxnSp>
+        <p:nvCxnSpPr>
+          <p:cNvPr id="10" name="Straight Connector 9">
+            <a:extLst>
+              <a:ext uri="{FF2B5EF4-FFF2-40B4-BE49-F238E27FC236}">
+                <a16:creationId xmlns:a16="http://schemas.microsoft.com/office/drawing/2014/main" id="{2CE92D5D-F646-5A2D-E53F-C511DB92C4C9}"/>
+              </a:ext>
+            </a:extLst>
+          </p:cNvPr>
+          <p:cNvCxnSpPr>
+            <a:cxnSpLocks/>
+          </p:cNvCxnSpPr>
+          <p:nvPr/>
+        </p:nvCxnSpPr>
+        <p:spPr>
+          <a:xfrm flipV="1">
+            <a:off x="6544019" y="1750003"/>
+            <a:ext cx="0" cy="317959"/>
+          </a:xfrm>
+          <a:prstGeom prst="line">
+            <a:avLst/>
+          </a:prstGeom>
+          <a:ln w="38100">
+            <a:solidFill>
+              <a:schemeClr val="tx1"/>
+            </a:solidFill>
+          </a:ln>
+        </p:spPr>
+        <p:style>
+          <a:lnRef idx="2">
+            <a:schemeClr val="dk1"/>
+          </a:lnRef>
+          <a:fillRef idx="0">
+            <a:schemeClr val="dk1"/>
+          </a:fillRef>
+          <a:effectRef idx="1">
+            <a:schemeClr val="dk1"/>
+          </a:effectRef>
+          <a:fontRef idx="minor">
+            <a:schemeClr val="tx1"/>
+          </a:fontRef>
+        </p:style>
+      </p:cxnSp>
+      <p:cxnSp>
+        <p:nvCxnSpPr>
+          <p:cNvPr id="11" name="Straight Connector 10">
+            <a:extLst>
+              <a:ext uri="{FF2B5EF4-FFF2-40B4-BE49-F238E27FC236}">
+                <a16:creationId xmlns:a16="http://schemas.microsoft.com/office/drawing/2014/main" id="{8D9AA72E-8103-2609-5DE3-DEE8518417A4}"/>
+              </a:ext>
+            </a:extLst>
+          </p:cNvPr>
+          <p:cNvCxnSpPr>
+            <a:cxnSpLocks/>
+          </p:cNvCxnSpPr>
+          <p:nvPr/>
+        </p:nvCxnSpPr>
+        <p:spPr>
+          <a:xfrm flipV="1">
+            <a:off x="7313364" y="1432044"/>
+            <a:ext cx="0" cy="635918"/>
+          </a:xfrm>
+          <a:prstGeom prst="line">
+            <a:avLst/>
+          </a:prstGeom>
+          <a:ln w="38100">
+            <a:solidFill>
+              <a:schemeClr val="tx1"/>
+            </a:solidFill>
+          </a:ln>
+        </p:spPr>
+        <p:style>
+          <a:lnRef idx="2">
+            <a:schemeClr val="dk1"/>
+          </a:lnRef>
+          <a:fillRef idx="0">
+            <a:schemeClr val="dk1"/>
+          </a:fillRef>
+          <a:effectRef idx="1">
+            <a:schemeClr val="dk1"/>
+          </a:effectRef>
+          <a:fontRef idx="minor">
+            <a:schemeClr val="tx1"/>
+          </a:fontRef>
+        </p:style>
+      </p:cxnSp>
+      <p:cxnSp>
+        <p:nvCxnSpPr>
+          <p:cNvPr id="13" name="Straight Connector 12">
+            <a:extLst>
+              <a:ext uri="{FF2B5EF4-FFF2-40B4-BE49-F238E27FC236}">
+                <a16:creationId xmlns:a16="http://schemas.microsoft.com/office/drawing/2014/main" id="{E3D86AEF-89C9-B227-0715-7C3DA64FA139}"/>
+              </a:ext>
+            </a:extLst>
+          </p:cNvPr>
+          <p:cNvCxnSpPr>
+            <a:cxnSpLocks/>
+          </p:cNvCxnSpPr>
+          <p:nvPr/>
+        </p:nvCxnSpPr>
+        <p:spPr>
+          <a:xfrm flipH="1">
+            <a:off x="8582408" y="2488844"/>
+            <a:ext cx="1035586" cy="0"/>
+          </a:xfrm>
+          <a:prstGeom prst="line">
+            <a:avLst/>
+          </a:prstGeom>
+          <a:ln w="38100"/>
+        </p:spPr>
+        <p:style>
+          <a:lnRef idx="2">
+            <a:schemeClr val="dk1"/>
+          </a:lnRef>
+          <a:fillRef idx="0">
+            <a:schemeClr val="dk1"/>
+          </a:fillRef>
+          <a:effectRef idx="1">
+            <a:schemeClr val="dk1"/>
+          </a:effectRef>
+          <a:fontRef idx="minor">
+            <a:schemeClr val="tx1"/>
+          </a:fontRef>
+        </p:style>
+      </p:cxnSp>
+      <p:cxnSp>
+        <p:nvCxnSpPr>
+          <p:cNvPr id="14" name="Straight Connector 13">
+            <a:extLst>
+              <a:ext uri="{FF2B5EF4-FFF2-40B4-BE49-F238E27FC236}">
+                <a16:creationId xmlns:a16="http://schemas.microsoft.com/office/drawing/2014/main" id="{62276ED8-7A08-D5BF-6418-8FE5ABCE6764}"/>
+              </a:ext>
+            </a:extLst>
+          </p:cNvPr>
+          <p:cNvCxnSpPr>
+            <a:cxnSpLocks/>
+          </p:cNvCxnSpPr>
+          <p:nvPr/>
+        </p:nvCxnSpPr>
+        <p:spPr>
+          <a:xfrm flipH="1">
+            <a:off x="8599822" y="3765023"/>
+            <a:ext cx="1035586" cy="0"/>
+          </a:xfrm>
+          <a:prstGeom prst="line">
+            <a:avLst/>
+          </a:prstGeom>
+          <a:ln w="38100"/>
+        </p:spPr>
+        <p:style>
+          <a:lnRef idx="2">
+            <a:schemeClr val="dk1"/>
+          </a:lnRef>
+          <a:fillRef idx="0">
+            <a:schemeClr val="dk1"/>
+          </a:fillRef>
+          <a:effectRef idx="1">
+            <a:schemeClr val="dk1"/>
+          </a:effectRef>
+          <a:fontRef idx="minor">
+            <a:schemeClr val="tx1"/>
+          </a:fontRef>
+        </p:style>
+      </p:cxnSp>
+      <p:cxnSp>
+        <p:nvCxnSpPr>
+          <p:cNvPr id="15" name="Straight Connector 14">
+            <a:extLst>
+              <a:ext uri="{FF2B5EF4-FFF2-40B4-BE49-F238E27FC236}">
+                <a16:creationId xmlns:a16="http://schemas.microsoft.com/office/drawing/2014/main" id="{A4E8A6EB-9EEF-03D0-2F1C-281E05CF0BF2}"/>
+              </a:ext>
+            </a:extLst>
+          </p:cNvPr>
+          <p:cNvCxnSpPr>
+            <a:cxnSpLocks/>
+          </p:cNvCxnSpPr>
+          <p:nvPr/>
+        </p:nvCxnSpPr>
+        <p:spPr>
+          <a:xfrm flipH="1">
+            <a:off x="2622014" y="5264587"/>
+            <a:ext cx="1035586" cy="0"/>
+          </a:xfrm>
+          <a:prstGeom prst="line">
+            <a:avLst/>
+          </a:prstGeom>
+          <a:ln w="38100"/>
+        </p:spPr>
+        <p:style>
+          <a:lnRef idx="2">
+            <a:schemeClr val="dk1"/>
+          </a:lnRef>
+          <a:fillRef idx="0">
+            <a:schemeClr val="dk1"/>
+          </a:fillRef>
+          <a:effectRef idx="1">
+            <a:schemeClr val="dk1"/>
+          </a:effectRef>
+          <a:fontRef idx="minor">
+            <a:schemeClr val="tx1"/>
+          </a:fontRef>
+        </p:style>
+      </p:cxnSp>
+      <p:sp>
+        <p:nvSpPr>
+          <p:cNvPr id="17" name="TextBox 16">
+            <a:extLst>
+              <a:ext uri="{FF2B5EF4-FFF2-40B4-BE49-F238E27FC236}">
+                <a16:creationId xmlns:a16="http://schemas.microsoft.com/office/drawing/2014/main" id="{EAB6553B-4C26-3DD5-9B51-7553DC66D65B}"/>
+              </a:ext>
+            </a:extLst>
+          </p:cNvPr>
+          <p:cNvSpPr txBox="1"/>
+          <p:nvPr/>
+        </p:nvSpPr>
+        <p:spPr>
+          <a:xfrm>
+            <a:off x="526975" y="2196457"/>
+            <a:ext cx="2093204" cy="584775"/>
+          </a:xfrm>
+          <a:prstGeom prst="rect">
+            <a:avLst/>
+          </a:prstGeom>
+          <a:noFill/>
+        </p:spPr>
+        <p:txBody>
+          <a:bodyPr wrap="square" rtlCol="0">
+            <a:spAutoFit/>
+          </a:bodyPr>
+          <a:lstStyle/>
+          <a:p>
+            <a:pPr algn="ctr"/>
+            <a:r>
+              <a:rPr lang="en-CO" sz="1600" dirty="0">
+                <a:latin typeface="SF COMPACT MEDIUM" panose="020B0A04030202060204" pitchFamily="34" charset="77"/>
+                <a:cs typeface="Poppins" pitchFamily="2" charset="77"/>
+              </a:rPr>
+              <a:t>Sigla </a:t>
+            </a:r>
+            <a:r>
+              <a:rPr lang="en-CO" sz="1600" dirty="0">
+                <a:latin typeface="SF COMPACT" panose="020B0A04030202060204" pitchFamily="34" charset="77"/>
+                <a:cs typeface="Poppins" pitchFamily="2" charset="77"/>
+              </a:rPr>
+              <a:t>(Click para </a:t>
+            </a:r>
+          </a:p>
+          <a:p>
+            <a:pPr algn="ctr"/>
+            <a:r>
+              <a:rPr lang="en-CO" sz="1600" dirty="0">
+                <a:latin typeface="SF COMPACT" panose="020B0A04030202060204" pitchFamily="34" charset="77"/>
+                <a:cs typeface="Poppins" pitchFamily="2" charset="77"/>
+              </a:rPr>
+              <a:t>buscacursos.uc.cl)</a:t>
+            </a:r>
+          </a:p>
+        </p:txBody>
+      </p:sp>
+      <p:sp>
+        <p:nvSpPr>
+          <p:cNvPr id="18" name="TextBox 17">
+            <a:extLst>
+              <a:ext uri="{FF2B5EF4-FFF2-40B4-BE49-F238E27FC236}">
+                <a16:creationId xmlns:a16="http://schemas.microsoft.com/office/drawing/2014/main" id="{0B0DBFF8-F959-64C4-A029-B30558CF7123}"/>
+              </a:ext>
+            </a:extLst>
+          </p:cNvPr>
+          <p:cNvSpPr txBox="1"/>
+          <p:nvPr/>
+        </p:nvSpPr>
+        <p:spPr>
+          <a:xfrm>
+            <a:off x="526975" y="5095310"/>
+            <a:ext cx="2093204" cy="338554"/>
+          </a:xfrm>
+          <a:prstGeom prst="rect">
+            <a:avLst/>
+          </a:prstGeom>
+          <a:noFill/>
+        </p:spPr>
+        <p:txBody>
+          <a:bodyPr wrap="square" rtlCol="0">
+            <a:spAutoFit/>
+          </a:bodyPr>
+          <a:lstStyle/>
+          <a:p>
+            <a:pPr algn="ctr"/>
+            <a:r>
+              <a:rPr lang="en-CO" sz="1600" dirty="0">
+                <a:latin typeface="SF COMPACT" panose="020B0A04030202060204" pitchFamily="34" charset="77"/>
+                <a:cs typeface="Poppins" pitchFamily="2" charset="77"/>
+              </a:rPr>
+              <a:t>Requisitos (Siglas)</a:t>
+            </a:r>
+          </a:p>
+        </p:txBody>
+      </p:sp>
+      <p:sp>
+        <p:nvSpPr>
+          <p:cNvPr id="21" name="TextBox 20">
+            <a:extLst>
+              <a:ext uri="{FF2B5EF4-FFF2-40B4-BE49-F238E27FC236}">
+                <a16:creationId xmlns:a16="http://schemas.microsoft.com/office/drawing/2014/main" id="{7090C908-0086-2964-0C49-F4833D7AD92C}"/>
+              </a:ext>
+            </a:extLst>
+          </p:cNvPr>
+          <p:cNvSpPr txBox="1"/>
+          <p:nvPr/>
+        </p:nvSpPr>
+        <p:spPr>
+          <a:xfrm>
+            <a:off x="9635408" y="2319567"/>
+            <a:ext cx="2093204" cy="338554"/>
+          </a:xfrm>
+          <a:prstGeom prst="rect">
+            <a:avLst/>
+          </a:prstGeom>
+          <a:noFill/>
+        </p:spPr>
+        <p:txBody>
+          <a:bodyPr wrap="square" rtlCol="0">
+            <a:spAutoFit/>
+          </a:bodyPr>
+          <a:lstStyle/>
+          <a:p>
+            <a:r>
+              <a:rPr lang="en-CO" sz="1600" dirty="0">
+                <a:latin typeface="SF COMPACT MEDIUM" panose="020B0A04030202060204" pitchFamily="34" charset="77"/>
+                <a:cs typeface="Poppins" pitchFamily="2" charset="77"/>
+              </a:rPr>
+              <a:t>Créditos del Curso</a:t>
+            </a:r>
+            <a:endParaRPr lang="en-CO" sz="1600" dirty="0">
+              <a:latin typeface="SF COMPACT" panose="020B0A04030202060204" pitchFamily="34" charset="77"/>
+              <a:cs typeface="Poppins" pitchFamily="2" charset="77"/>
+            </a:endParaRPr>
+          </a:p>
+        </p:txBody>
+      </p:sp>
+      <p:sp>
+        <p:nvSpPr>
+          <p:cNvPr id="22" name="TextBox 21">
+            <a:extLst>
+              <a:ext uri="{FF2B5EF4-FFF2-40B4-BE49-F238E27FC236}">
+                <a16:creationId xmlns:a16="http://schemas.microsoft.com/office/drawing/2014/main" id="{EF0411E8-776C-6792-1C2A-C659F8852803}"/>
+              </a:ext>
+            </a:extLst>
+          </p:cNvPr>
+          <p:cNvSpPr txBox="1"/>
+          <p:nvPr/>
+        </p:nvSpPr>
+        <p:spPr>
+          <a:xfrm>
+            <a:off x="9635408" y="3595746"/>
+            <a:ext cx="2093204" cy="338554"/>
+          </a:xfrm>
+          <a:prstGeom prst="rect">
+            <a:avLst/>
+          </a:prstGeom>
+          <a:noFill/>
+        </p:spPr>
+        <p:txBody>
+          <a:bodyPr wrap="square" rtlCol="0">
+            <a:spAutoFit/>
+          </a:bodyPr>
+          <a:lstStyle/>
+          <a:p>
+            <a:r>
+              <a:rPr lang="en-CO" sz="1600" dirty="0">
+                <a:latin typeface="SF COMPACT MEDIUM" panose="020B0A04030202060204" pitchFamily="34" charset="77"/>
+                <a:cs typeface="Poppins" pitchFamily="2" charset="77"/>
+              </a:rPr>
+              <a:t>Nombre del Curso</a:t>
+            </a:r>
+            <a:endParaRPr lang="en-CO" sz="1600" dirty="0">
+              <a:latin typeface="SF COMPACT" panose="020B0A04030202060204" pitchFamily="34" charset="77"/>
+              <a:cs typeface="Poppins" pitchFamily="2" charset="77"/>
+            </a:endParaRPr>
+          </a:p>
+        </p:txBody>
+      </p:sp>
+      <p:sp>
+        <p:nvSpPr>
+          <p:cNvPr id="24" name="TextBox 23">
+            <a:extLst>
+              <a:ext uri="{FF2B5EF4-FFF2-40B4-BE49-F238E27FC236}">
+                <a16:creationId xmlns:a16="http://schemas.microsoft.com/office/drawing/2014/main" id="{E0DFF356-AA6C-0E87-F569-8638C37136B3}"/>
+              </a:ext>
+            </a:extLst>
+          </p:cNvPr>
+          <p:cNvSpPr txBox="1"/>
+          <p:nvPr/>
+        </p:nvSpPr>
+        <p:spPr>
+          <a:xfrm>
+            <a:off x="6266762" y="601047"/>
+            <a:ext cx="2093204" cy="830997"/>
+          </a:xfrm>
+          <a:prstGeom prst="rect">
+            <a:avLst/>
+          </a:prstGeom>
+          <a:noFill/>
+        </p:spPr>
+        <p:txBody>
+          <a:bodyPr wrap="square" rtlCol="0">
+            <a:spAutoFit/>
+          </a:bodyPr>
+          <a:lstStyle/>
+          <a:p>
+            <a:pPr algn="ctr"/>
+            <a:r>
+              <a:rPr lang="en-CO" sz="1600" dirty="0">
+                <a:latin typeface="SF COMPACT MEDIUM" panose="020B0A04030202060204" pitchFamily="34" charset="77"/>
+                <a:cs typeface="Poppins" pitchFamily="2" charset="77"/>
+              </a:rPr>
+              <a:t>¿Curso Anual? </a:t>
+            </a:r>
+            <a:r>
+              <a:rPr lang="en-CO" sz="1600" dirty="0">
+                <a:latin typeface="SF COMPACT" panose="020B0A04030202060204" pitchFamily="34" charset="77"/>
+                <a:cs typeface="Poppins" pitchFamily="2" charset="77"/>
+              </a:rPr>
+              <a:t>(Semestre 1: S1, Semestre 2: S2)</a:t>
+            </a:r>
+          </a:p>
+        </p:txBody>
+      </p:sp>
+      <p:cxnSp>
+        <p:nvCxnSpPr>
+          <p:cNvPr id="38" name="Elbow Connector 37">
+            <a:extLst>
+              <a:ext uri="{FF2B5EF4-FFF2-40B4-BE49-F238E27FC236}">
+                <a16:creationId xmlns:a16="http://schemas.microsoft.com/office/drawing/2014/main" id="{EEA1A786-0549-17DC-CD95-3381D8C5FE93}"/>
+              </a:ext>
+            </a:extLst>
+          </p:cNvPr>
+          <p:cNvCxnSpPr>
+            <a:cxnSpLocks/>
+          </p:cNvCxnSpPr>
+          <p:nvPr/>
+        </p:nvCxnSpPr>
+        <p:spPr>
+          <a:xfrm rot="10800000">
+            <a:off x="4660827" y="1432045"/>
+            <a:ext cx="1900448" cy="317961"/>
+          </a:xfrm>
+          <a:prstGeom prst="bentConnector3">
+            <a:avLst>
+              <a:gd name="adj1" fmla="val 98940"/>
+            </a:avLst>
+          </a:prstGeom>
+          <a:ln w="38100">
+            <a:solidFill>
+              <a:schemeClr val="tx1"/>
+            </a:solidFill>
+          </a:ln>
+        </p:spPr>
+        <p:style>
+          <a:lnRef idx="2">
+            <a:schemeClr val="accent1"/>
+          </a:lnRef>
+          <a:fillRef idx="0">
+            <a:schemeClr val="accent1"/>
+          </a:fillRef>
+          <a:effectRef idx="1">
+            <a:schemeClr val="accent1"/>
+          </a:effectRef>
+          <a:fontRef idx="minor">
+            <a:schemeClr val="tx1"/>
+          </a:fontRef>
+        </p:style>
+      </p:cxnSp>
+      <p:sp>
+        <p:nvSpPr>
+          <p:cNvPr id="44" name="TextBox 43">
+            <a:extLst>
+              <a:ext uri="{FF2B5EF4-FFF2-40B4-BE49-F238E27FC236}">
+                <a16:creationId xmlns:a16="http://schemas.microsoft.com/office/drawing/2014/main" id="{6E16D12A-E30C-7DC8-D148-D66617833F70}"/>
+              </a:ext>
+            </a:extLst>
+          </p:cNvPr>
+          <p:cNvSpPr txBox="1"/>
+          <p:nvPr/>
+        </p:nvSpPr>
+        <p:spPr>
+          <a:xfrm>
+            <a:off x="3614225" y="768213"/>
+            <a:ext cx="2093204" cy="584775"/>
+          </a:xfrm>
+          <a:prstGeom prst="rect">
+            <a:avLst/>
+          </a:prstGeom>
+          <a:noFill/>
+        </p:spPr>
+        <p:txBody>
+          <a:bodyPr wrap="square" rtlCol="0">
+            <a:spAutoFit/>
+          </a:bodyPr>
+          <a:lstStyle/>
+          <a:p>
+            <a:pPr algn="ctr"/>
+            <a:r>
+              <a:rPr lang="en-CO" sz="1600" dirty="0">
+                <a:latin typeface="SF COMPACT MEDIUM" panose="020B0A04030202060204" pitchFamily="34" charset="77"/>
+                <a:cs typeface="Poppins" pitchFamily="2" charset="77"/>
+              </a:rPr>
+              <a:t>Curso con Laboratorio (L)</a:t>
+            </a:r>
+            <a:endParaRPr lang="en-CO" sz="1600" dirty="0">
+              <a:latin typeface="SF COMPACT" panose="020B0A04030202060204" pitchFamily="34" charset="77"/>
+              <a:cs typeface="Poppins" pitchFamily="2" charset="77"/>
+            </a:endParaRPr>
+          </a:p>
+        </p:txBody>
+      </p:sp>
+    </p:spTree>
+    <p:extLst>
+      <p:ext uri="{BB962C8B-B14F-4D97-AF65-F5344CB8AC3E}">
+        <p14:creationId xmlns:p14="http://schemas.microsoft.com/office/powerpoint/2010/main" val="3234976653"/>
+      </p:ext>
+    </p:extLst>
+  </p:cSld>
+  <p:clrMapOvr>
+    <a:masterClrMapping/>
+  </p:clrMapOvr>
+</p:sld>
+</file>
+
 <file path=ppt/theme/theme1.xml><?xml version="1.0" encoding="utf-8"?>
 <a:theme xmlns:a="http://schemas.openxmlformats.org/drawingml/2006/main" name="Office Theme">
   <a:themeElements>
